--- a/course/spring_lecture4.pptx
+++ b/course/spring_lecture4.pptx
@@ -369,7 +369,7 @@
           <a:p>
             <a:fld id="{46D9A6F5-1E9F-4F7F-B335-C9B2093BF1AB}" type="datetimeFigureOut">
               <a:rPr lang="en-GB" smtClean="0"/>
-              <a:t>26/07/2016</a:t>
+              <a:t>27/07/2016</a:t>
             </a:fld>
             <a:endParaRPr lang="en-GB"/>
           </a:p>
@@ -577,7 +577,7 @@
           <a:p>
             <a:fld id="{46D9A6F5-1E9F-4F7F-B335-C9B2093BF1AB}" type="datetimeFigureOut">
               <a:rPr lang="en-GB" smtClean="0"/>
-              <a:t>26/07/2016</a:t>
+              <a:t>27/07/2016</a:t>
             </a:fld>
             <a:endParaRPr lang="en-GB"/>
           </a:p>
@@ -833,7 +833,7 @@
           <a:p>
             <a:fld id="{46D9A6F5-1E9F-4F7F-B335-C9B2093BF1AB}" type="datetimeFigureOut">
               <a:rPr lang="en-GB" smtClean="0"/>
-              <a:t>26/07/2016</a:t>
+              <a:t>27/07/2016</a:t>
             </a:fld>
             <a:endParaRPr lang="en-GB"/>
           </a:p>
@@ -1007,7 +1007,7 @@
           <a:p>
             <a:fld id="{46D9A6F5-1E9F-4F7F-B335-C9B2093BF1AB}" type="datetimeFigureOut">
               <a:rPr lang="en-GB" smtClean="0"/>
-              <a:t>26/07/2016</a:t>
+              <a:t>27/07/2016</a:t>
             </a:fld>
             <a:endParaRPr lang="en-GB"/>
           </a:p>
@@ -1350,7 +1350,7 @@
           <a:p>
             <a:fld id="{46D9A6F5-1E9F-4F7F-B335-C9B2093BF1AB}" type="datetimeFigureOut">
               <a:rPr lang="en-GB" smtClean="0"/>
-              <a:t>26/07/2016</a:t>
+              <a:t>27/07/2016</a:t>
             </a:fld>
             <a:endParaRPr lang="en-GB"/>
           </a:p>
@@ -1625,7 +1625,7 @@
           <a:p>
             <a:fld id="{46D9A6F5-1E9F-4F7F-B335-C9B2093BF1AB}" type="datetimeFigureOut">
               <a:rPr lang="en-GB" smtClean="0"/>
-              <a:t>26/07/2016</a:t>
+              <a:t>27/07/2016</a:t>
             </a:fld>
             <a:endParaRPr lang="en-GB"/>
           </a:p>
@@ -2004,7 +2004,7 @@
           <a:p>
             <a:fld id="{46D9A6F5-1E9F-4F7F-B335-C9B2093BF1AB}" type="datetimeFigureOut">
               <a:rPr lang="en-GB" smtClean="0"/>
-              <a:t>26/07/2016</a:t>
+              <a:t>27/07/2016</a:t>
             </a:fld>
             <a:endParaRPr lang="en-GB"/>
           </a:p>
@@ -2122,7 +2122,7 @@
           <a:p>
             <a:fld id="{46D9A6F5-1E9F-4F7F-B335-C9B2093BF1AB}" type="datetimeFigureOut">
               <a:rPr lang="en-GB" smtClean="0"/>
-              <a:t>26/07/2016</a:t>
+              <a:t>27/07/2016</a:t>
             </a:fld>
             <a:endParaRPr lang="en-GB"/>
           </a:p>
@@ -2293,7 +2293,7 @@
           <a:p>
             <a:fld id="{46D9A6F5-1E9F-4F7F-B335-C9B2093BF1AB}" type="datetimeFigureOut">
               <a:rPr lang="en-GB" smtClean="0"/>
-              <a:t>26/07/2016</a:t>
+              <a:t>27/07/2016</a:t>
             </a:fld>
             <a:endParaRPr lang="en-GB"/>
           </a:p>
@@ -2647,7 +2647,7 @@
           <a:p>
             <a:fld id="{46D9A6F5-1E9F-4F7F-B335-C9B2093BF1AB}" type="datetimeFigureOut">
               <a:rPr lang="en-GB" smtClean="0"/>
-              <a:t>26/07/2016</a:t>
+              <a:t>27/07/2016</a:t>
             </a:fld>
             <a:endParaRPr lang="en-GB"/>
           </a:p>
@@ -3029,7 +3029,7 @@
           <a:p>
             <a:fld id="{46D9A6F5-1E9F-4F7F-B335-C9B2093BF1AB}" type="datetimeFigureOut">
               <a:rPr lang="en-GB" smtClean="0"/>
-              <a:t>26/07/2016</a:t>
+              <a:t>27/07/2016</a:t>
             </a:fld>
             <a:endParaRPr lang="en-GB"/>
           </a:p>
@@ -3316,7 +3316,7 @@
           <a:p>
             <a:fld id="{46D9A6F5-1E9F-4F7F-B335-C9B2093BF1AB}" type="datetimeFigureOut">
               <a:rPr lang="en-GB" smtClean="0"/>
-              <a:t>26/07/2016</a:t>
+              <a:t>27/07/2016</a:t>
             </a:fld>
             <a:endParaRPr lang="en-GB"/>
           </a:p>
@@ -3878,7 +3878,7 @@
         </p:nvSpPr>
         <p:spPr>
           <a:xfrm>
-            <a:off x="4238726" y="4361540"/>
+            <a:off x="4216148" y="4282518"/>
             <a:ext cx="3976410" cy="369332"/>
           </a:xfrm>
           <a:prstGeom prst="rect">
@@ -4732,7 +4732,7 @@
       </p:sp>
       <p:pic>
         <p:nvPicPr>
-          <p:cNvPr id="3" name="Picture 2"/>
+          <p:cNvPr id="4" name="Picture 3"/>
           <p:cNvPicPr>
             <a:picLocks noChangeAspect="1"/>
           </p:cNvPicPr>
@@ -4746,8 +4746,8 @@
         </p:blipFill>
         <p:spPr>
           <a:xfrm>
-            <a:off x="3290186" y="1854558"/>
-            <a:ext cx="6583877" cy="4336790"/>
+            <a:off x="1307394" y="1871662"/>
+            <a:ext cx="7048500" cy="4333875"/>
           </a:xfrm>
           <a:prstGeom prst="rect">
             <a:avLst/>
@@ -4914,7 +4914,7 @@
         </p:blipFill>
         <p:spPr>
           <a:xfrm>
-            <a:off x="2028825" y="1815394"/>
+            <a:off x="1227313" y="1837972"/>
             <a:ext cx="8134350" cy="4152900"/>
           </a:xfrm>
           <a:prstGeom prst="rect">
@@ -5084,7 +5084,7 @@
       </p:sp>
       <p:pic>
         <p:nvPicPr>
-          <p:cNvPr id="6" name="Picture 5"/>
+          <p:cNvPr id="3" name="Picture 2"/>
           <p:cNvPicPr>
             <a:picLocks noChangeAspect="1"/>
           </p:cNvPicPr>
@@ -5098,8 +5098,8 @@
         </p:blipFill>
         <p:spPr>
           <a:xfrm>
-            <a:off x="3471768" y="1841679"/>
-            <a:ext cx="6491382" cy="4284952"/>
+            <a:off x="1262239" y="1918053"/>
+            <a:ext cx="7048500" cy="4286250"/>
           </a:xfrm>
           <a:prstGeom prst="rect">
             <a:avLst/>
@@ -5308,7 +5308,7 @@
         </p:blipFill>
         <p:spPr>
           <a:xfrm>
-            <a:off x="2057400" y="1953683"/>
+            <a:off x="1323622" y="1976261"/>
             <a:ext cx="8077200" cy="3695700"/>
           </a:xfrm>
           <a:prstGeom prst="rect">
@@ -5378,7 +5378,7 @@
       </p:sp>
       <p:pic>
         <p:nvPicPr>
-          <p:cNvPr id="3" name="Picture 2"/>
+          <p:cNvPr id="2" name="Picture 1"/>
           <p:cNvPicPr>
             <a:picLocks noChangeAspect="1"/>
           </p:cNvPicPr>
@@ -5392,8 +5392,8 @@
         </p:blipFill>
         <p:spPr>
           <a:xfrm>
-            <a:off x="2897746" y="1845500"/>
-            <a:ext cx="7247250" cy="4461141"/>
+            <a:off x="1184804" y="1832328"/>
+            <a:ext cx="7248525" cy="4457700"/>
           </a:xfrm>
           <a:prstGeom prst="rect">
             <a:avLst/>
@@ -5982,7 +5982,7 @@
         </p:blipFill>
         <p:spPr>
           <a:xfrm>
-            <a:off x="2501723" y="2390599"/>
+            <a:off x="1338967" y="2345443"/>
             <a:ext cx="7572375" cy="2257425"/>
           </a:xfrm>
           <a:prstGeom prst="rect">
@@ -6551,16 +6551,8 @@
           <a:lstStyle/>
           <a:p>
             <a:r>
-              <a:rPr lang="en-US" dirty="0" smtClean="0"/>
-              <a:t>Summary (</a:t>
-            </a:r>
-            <a:r>
-              <a:rPr lang="en-US" dirty="0" err="1" smtClean="0"/>
-              <a:t>cont</a:t>
-            </a:r>
-            <a:r>
-              <a:rPr lang="en-US" dirty="0" smtClean="0"/>
-              <a:t>)</a:t>
+              <a:rPr lang="en-US" smtClean="0"/>
+              <a:t>Summary</a:t>
             </a:r>
             <a:endParaRPr lang="en-GB" dirty="0"/>
           </a:p>
